--- a/EDA_Entrega/Código/Accidentes de tránsito Madrid 2012.pptx
+++ b/EDA_Entrega/Código/Accidentes de tránsito Madrid 2012.pptx
@@ -5,10 +5,10 @@
     <p:sldMasterId id="2147483666" r:id="rId4"/>
   </p:sldMasterIdLst>
   <p:notesMasterIdLst>
-    <p:notesMasterId r:id="rId21"/>
+    <p:notesMasterId r:id="rId20"/>
   </p:notesMasterIdLst>
   <p:handoutMasterIdLst>
-    <p:handoutMasterId r:id="rId22"/>
+    <p:handoutMasterId r:id="rId21"/>
   </p:handoutMasterIdLst>
   <p:sldIdLst>
     <p:sldId id="256" r:id="rId5"/>
@@ -23,10 +23,9 @@
     <p:sldId id="297" r:id="rId14"/>
     <p:sldId id="301" r:id="rId15"/>
     <p:sldId id="302" r:id="rId16"/>
-    <p:sldId id="264" r:id="rId17"/>
-    <p:sldId id="258" r:id="rId18"/>
-    <p:sldId id="262" r:id="rId19"/>
-    <p:sldId id="276" r:id="rId20"/>
+    <p:sldId id="258" r:id="rId17"/>
+    <p:sldId id="262" r:id="rId18"/>
+    <p:sldId id="276" r:id="rId19"/>
   </p:sldIdLst>
   <p:sldSz cx="12192000" cy="6858000"/>
   <p:notesSz cx="6858000" cy="9144000"/>
@@ -1038,7 +1037,7 @@
     </p:spTree>
     <p:extLst>
       <p:ext uri="{BB962C8B-B14F-4D97-AF65-F5344CB8AC3E}">
-        <p14:creationId xmlns:p14="http://schemas.microsoft.com/office/powerpoint/2010/main" val="616656680"/>
+        <p14:creationId xmlns:p14="http://schemas.microsoft.com/office/powerpoint/2010/main" val="4132813061"/>
       </p:ext>
     </p:extLst>
   </p:cSld>
@@ -1089,9 +1088,10 @@
         </p:nvSpPr>
         <p:spPr/>
         <p:txBody>
-          <a:bodyPr/>
+          <a:bodyPr rtlCol="0"/>
           <a:lstStyle/>
           <a:p>
+            <a:pPr rtl="0"/>
             <a:endParaRPr lang="es-ES"/>
           </a:p>
         </p:txBody>
@@ -1108,7 +1108,7 @@
         </p:nvSpPr>
         <p:spPr/>
         <p:txBody>
-          <a:bodyPr/>
+          <a:bodyPr rtlCol="0"/>
           <a:lstStyle/>
           <a:p>
             <a:pPr rtl="0"/>
@@ -1123,7 +1123,7 @@
     </p:spTree>
     <p:extLst>
       <p:ext uri="{BB962C8B-B14F-4D97-AF65-F5344CB8AC3E}">
-        <p14:creationId xmlns:p14="http://schemas.microsoft.com/office/powerpoint/2010/main" val="4132813061"/>
+        <p14:creationId xmlns:p14="http://schemas.microsoft.com/office/powerpoint/2010/main" val="3886065320"/>
       </p:ext>
     </p:extLst>
   </p:cSld>
@@ -1174,10 +1174,9 @@
         </p:nvSpPr>
         <p:spPr/>
         <p:txBody>
-          <a:bodyPr rtlCol="0"/>
+          <a:bodyPr/>
           <a:lstStyle/>
           <a:p>
-            <a:pPr rtl="0"/>
             <a:endParaRPr lang="es-ES"/>
           </a:p>
         </p:txBody>
@@ -1194,98 +1193,13 @@
         </p:nvSpPr>
         <p:spPr/>
         <p:txBody>
-          <a:bodyPr rtlCol="0"/>
+          <a:bodyPr/>
           <a:lstStyle/>
           <a:p>
             <a:pPr rtl="0"/>
             <a:fld id="{D4B9A9E5-4F7F-4A7D-9DE1-899232329269}" type="slidenum">
               <a:rPr lang="es-ES" smtClean="0"/>
               <a:t>15</a:t>
-            </a:fld>
-            <a:endParaRPr lang="es-ES"/>
-          </a:p>
-        </p:txBody>
-      </p:sp>
-    </p:spTree>
-    <p:extLst>
-      <p:ext uri="{BB962C8B-B14F-4D97-AF65-F5344CB8AC3E}">
-        <p14:creationId xmlns:p14="http://schemas.microsoft.com/office/powerpoint/2010/main" val="3886065320"/>
-      </p:ext>
-    </p:extLst>
-  </p:cSld>
-  <p:clrMapOvr>
-    <a:masterClrMapping/>
-  </p:clrMapOvr>
-</p:notes>
-</file>
-
-<file path=ppt/notesSlides/notesSlide7.xml><?xml version="1.0" encoding="utf-8"?>
-<p:notes xmlns:a="http://schemas.openxmlformats.org/drawingml/2006/main" xmlns:r="http://schemas.openxmlformats.org/officeDocument/2006/relationships" xmlns:p="http://schemas.openxmlformats.org/presentationml/2006/main">
-  <p:cSld>
-    <p:spTree>
-      <p:nvGrpSpPr>
-        <p:cNvPr id="1" name=""/>
-        <p:cNvGrpSpPr/>
-        <p:nvPr/>
-      </p:nvGrpSpPr>
-      <p:grpSpPr>
-        <a:xfrm>
-          <a:off x="0" y="0"/>
-          <a:ext cx="0" cy="0"/>
-          <a:chOff x="0" y="0"/>
-          <a:chExt cx="0" cy="0"/>
-        </a:xfrm>
-      </p:grpSpPr>
-      <p:sp>
-        <p:nvSpPr>
-          <p:cNvPr id="2" name="Marcador de imagen de diapositiva 1"/>
-          <p:cNvSpPr>
-            <a:spLocks noGrp="1" noRot="1" noChangeAspect="1"/>
-          </p:cNvSpPr>
-          <p:nvPr>
-            <p:ph type="sldImg"/>
-          </p:nvPr>
-        </p:nvSpPr>
-        <p:spPr/>
-      </p:sp>
-      <p:sp>
-        <p:nvSpPr>
-          <p:cNvPr id="3" name="Marcador de notas 2"/>
-          <p:cNvSpPr>
-            <a:spLocks noGrp="1"/>
-          </p:cNvSpPr>
-          <p:nvPr>
-            <p:ph type="body" idx="1"/>
-          </p:nvPr>
-        </p:nvSpPr>
-        <p:spPr/>
-        <p:txBody>
-          <a:bodyPr/>
-          <a:lstStyle/>
-          <a:p>
-            <a:endParaRPr lang="es-ES"/>
-          </a:p>
-        </p:txBody>
-      </p:sp>
-      <p:sp>
-        <p:nvSpPr>
-          <p:cNvPr id="4" name="Marcador de número de diapositiva 3"/>
-          <p:cNvSpPr>
-            <a:spLocks noGrp="1"/>
-          </p:cNvSpPr>
-          <p:nvPr>
-            <p:ph type="sldNum" sz="quarter" idx="5"/>
-          </p:nvPr>
-        </p:nvSpPr>
-        <p:spPr/>
-        <p:txBody>
-          <a:bodyPr/>
-          <a:lstStyle/>
-          <a:p>
-            <a:pPr rtl="0"/>
-            <a:fld id="{D4B9A9E5-4F7F-4A7D-9DE1-899232329269}" type="slidenum">
-              <a:rPr lang="es-ES" smtClean="0"/>
-              <a:t>16</a:t>
             </a:fld>
             <a:endParaRPr lang="es-ES"/>
           </a:p>
@@ -16756,112 +16670,21 @@
           <p:cNvPr id="2" name="Título 1">
             <a:extLst>
               <a:ext uri="{FF2B5EF4-FFF2-40B4-BE49-F238E27FC236}">
-                <a16:creationId xmlns:a16="http://schemas.microsoft.com/office/drawing/2014/main" id="{537E1C88-627C-4655-A4FB-0BB02EDB078A}"/>
-              </a:ext>
-            </a:extLst>
-          </p:cNvPr>
-          <p:cNvSpPr>
-            <a:spLocks noGrp="1"/>
-          </p:cNvSpPr>
-          <p:nvPr>
-            <p:ph type="title"/>
-          </p:nvPr>
-        </p:nvSpPr>
-        <p:spPr>
-          <a:xfrm>
-            <a:off x="1362075" y="1671639"/>
-            <a:ext cx="5111750" cy="1204912"/>
-          </a:xfrm>
-        </p:spPr>
-        <p:txBody>
-          <a:bodyPr rtlCol="0">
-            <a:normAutofit fontScale="90000"/>
-          </a:bodyPr>
-          <a:lstStyle/>
-          <a:p>
-            <a:r>
-              <a:rPr lang="es-ES" dirty="0"/>
-              <a:t>La relación que existe entre las variables de rango horarios con las zonas de la ciudad en los accidentes de transito</a:t>
-            </a:r>
-          </a:p>
-        </p:txBody>
-      </p:sp>
-      <p:sp>
-        <p:nvSpPr>
-          <p:cNvPr id="3" name="Marcador de contenido 2">
-            <a:extLst>
-              <a:ext uri="{FF2B5EF4-FFF2-40B4-BE49-F238E27FC236}">
-                <a16:creationId xmlns:a16="http://schemas.microsoft.com/office/drawing/2014/main" id="{033634FE-ADF0-4BC3-A0A9-447EA9DD096B}"/>
-              </a:ext>
-            </a:extLst>
-          </p:cNvPr>
-          <p:cNvSpPr>
-            <a:spLocks noGrp="1"/>
-          </p:cNvSpPr>
-          <p:nvPr>
-            <p:ph type="body" idx="1"/>
-          </p:nvPr>
-        </p:nvSpPr>
-        <p:spPr>
-          <a:xfrm>
-            <a:off x="1362075" y="3660774"/>
-            <a:ext cx="5111750" cy="1525588"/>
-          </a:xfrm>
-        </p:spPr>
-        <p:txBody>
-          <a:bodyPr vert="horz" lIns="91440" tIns="45720" rIns="91440" bIns="45720" rtlCol="0" anchor="t">
-            <a:normAutofit/>
-          </a:bodyPr>
-          <a:lstStyle/>
-          <a:p>
-            <a:pPr marL="285750" indent="-285750" rtl="0">
-              <a:buFont typeface="Arial" panose="020B0604020202020204" pitchFamily="34" charset="0"/>
-              <a:buChar char="•"/>
-            </a:pPr>
-            <a:r>
-              <a:rPr lang="es-ES" noProof="1"/>
-              <a:t>Indicador clave para contestar a nuestra hipótesis general</a:t>
-            </a:r>
-          </a:p>
-          <a:p>
-            <a:pPr marL="285750" indent="-285750" rtl="0">
-              <a:buFont typeface="Arial" panose="020B0604020202020204" pitchFamily="34" charset="0"/>
-              <a:buChar char="•"/>
-            </a:pPr>
-            <a:r>
-              <a:rPr lang="es-ES" noProof="1"/>
-              <a:t>Es una serie de desenvolvimientos con las demás variables</a:t>
-            </a:r>
-            <a:br>
-              <a:rPr lang="es-ES" noProof="1"/>
-            </a:br>
-            <a:r>
-              <a:rPr lang="es-ES" noProof="1"/>
-              <a:t> </a:t>
-            </a:r>
-          </a:p>
-        </p:txBody>
-      </p:sp>
-      <p:sp>
-        <p:nvSpPr>
-          <p:cNvPr id="6" name="Marcador de número de diapositiva 5">
-            <a:extLst>
-              <a:ext uri="{FF2B5EF4-FFF2-40B4-BE49-F238E27FC236}">
-                <a16:creationId xmlns:a16="http://schemas.microsoft.com/office/drawing/2014/main" id="{C23C3221-5F04-4CA7-A86A-EEA8566A1735}"/>
-              </a:ext>
-            </a:extLst>
-          </p:cNvPr>
-          <p:cNvSpPr>
-            <a:spLocks noGrp="1"/>
-          </p:cNvSpPr>
-          <p:nvPr>
-            <p:ph type="sldNum" sz="quarter" idx="12"/>
-          </p:nvPr>
-        </p:nvSpPr>
-        <p:spPr>
-          <a:xfrm>
-            <a:off x="8610600" y="6356350"/>
-            <a:ext cx="2743200" cy="365125"/>
+                <a16:creationId xmlns:a16="http://schemas.microsoft.com/office/drawing/2014/main" id="{A29DE7F2-E890-4744-88DD-A75F5E300513}"/>
+              </a:ext>
+            </a:extLst>
+          </p:cNvPr>
+          <p:cNvSpPr>
+            <a:spLocks noGrp="1"/>
+          </p:cNvSpPr>
+          <p:nvPr>
+            <p:ph type="ctrTitle"/>
+          </p:nvPr>
+        </p:nvSpPr>
+        <p:spPr>
+          <a:xfrm>
+            <a:off x="6347537" y="2571234"/>
+            <a:ext cx="4179570" cy="1715531"/>
           </a:xfrm>
         </p:spPr>
         <p:txBody>
@@ -16869,11 +16692,13 @@
           <a:lstStyle/>
           <a:p>
             <a:pPr rtl="0"/>
-            <a:fld id="{B5CEABB6-07DC-46E8-9B57-56EC44A396E5}" type="slidenum">
-              <a:rPr lang="es-ES" smtClean="0"/>
-              <a:pPr rtl="0"/>
-              <a:t>13</a:t>
-            </a:fld>
+            <a:r>
+              <a:rPr lang="es-ES" dirty="0"/>
+              <a:t>conclusiones</a:t>
+            </a:r>
+            <a:br>
+              <a:rPr lang="es-ES" dirty="0"/>
+            </a:br>
             <a:endParaRPr lang="es-ES" dirty="0"/>
           </a:p>
         </p:txBody>
@@ -16881,7 +16706,7 @@
     </p:spTree>
     <p:extLst>
       <p:ext uri="{BB962C8B-B14F-4D97-AF65-F5344CB8AC3E}">
-        <p14:creationId xmlns:p14="http://schemas.microsoft.com/office/powerpoint/2010/main" val="1346372204"/>
+        <p14:creationId xmlns:p14="http://schemas.microsoft.com/office/powerpoint/2010/main" val="707789176"/>
       </p:ext>
     </p:extLst>
   </p:cSld>
@@ -16913,21 +16738,21 @@
           <p:cNvPr id="2" name="Título 1">
             <a:extLst>
               <a:ext uri="{FF2B5EF4-FFF2-40B4-BE49-F238E27FC236}">
-                <a16:creationId xmlns:a16="http://schemas.microsoft.com/office/drawing/2014/main" id="{A29DE7F2-E890-4744-88DD-A75F5E300513}"/>
-              </a:ext>
-            </a:extLst>
-          </p:cNvPr>
-          <p:cNvSpPr>
-            <a:spLocks noGrp="1"/>
-          </p:cNvSpPr>
-          <p:nvPr>
-            <p:ph type="ctrTitle"/>
-          </p:nvPr>
-        </p:nvSpPr>
-        <p:spPr>
-          <a:xfrm>
-            <a:off x="6347537" y="2571234"/>
-            <a:ext cx="4179570" cy="1715531"/>
+                <a16:creationId xmlns:a16="http://schemas.microsoft.com/office/drawing/2014/main" id="{75031FE9-9059-4FE8-B4AC-9771F23A1B89}"/>
+              </a:ext>
+            </a:extLst>
+          </p:cNvPr>
+          <p:cNvSpPr>
+            <a:spLocks noGrp="1"/>
+          </p:cNvSpPr>
+          <p:nvPr>
+            <p:ph type="title"/>
+          </p:nvPr>
+        </p:nvSpPr>
+        <p:spPr>
+          <a:xfrm>
+            <a:off x="1885156" y="892177"/>
+            <a:ext cx="8421688" cy="1325563"/>
           </a:xfrm>
         </p:spPr>
         <p:txBody>
@@ -16937,19 +16762,266 @@
             <a:pPr rtl="0"/>
             <a:r>
               <a:rPr lang="es-ES" dirty="0"/>
-              <a:t>conclusiones</a:t>
-            </a:r>
-            <a:br>
+              <a:t>Recomendaciones </a:t>
+            </a:r>
+          </a:p>
+        </p:txBody>
+      </p:sp>
+      <p:sp>
+        <p:nvSpPr>
+          <p:cNvPr id="3" name="Marcador de contenido 2">
+            <a:extLst>
+              <a:ext uri="{FF2B5EF4-FFF2-40B4-BE49-F238E27FC236}">
+                <a16:creationId xmlns:a16="http://schemas.microsoft.com/office/drawing/2014/main" id="{D4A2EB3F-4D60-451F-8F45-7D6654D2FCD9}"/>
+              </a:ext>
+            </a:extLst>
+          </p:cNvPr>
+          <p:cNvSpPr>
+            <a:spLocks noGrp="1"/>
+          </p:cNvSpPr>
+          <p:nvPr>
+            <p:ph type="body" sz="quarter" idx="13"/>
+          </p:nvPr>
+        </p:nvSpPr>
+        <p:spPr>
+          <a:xfrm>
+            <a:off x="1485900" y="2563123"/>
+            <a:ext cx="4031945" cy="365125"/>
+          </a:xfrm>
+        </p:spPr>
+        <p:txBody>
+          <a:bodyPr vert="horz" lIns="91440" tIns="45720" rIns="91440" bIns="45720" rtlCol="0" anchor="t">
+            <a:normAutofit lnSpcReduction="10000"/>
+          </a:bodyPr>
+          <a:lstStyle/>
+          <a:p>
+            <a:pPr rtl="0"/>
+            <a:r>
               <a:rPr lang="es-ES" dirty="0"/>
-            </a:br>
+              <a:t>Reforzar controles </a:t>
+            </a:r>
+          </a:p>
+        </p:txBody>
+      </p:sp>
+      <p:sp>
+        <p:nvSpPr>
+          <p:cNvPr id="4" name="Marcador de texto 3">
+            <a:extLst>
+              <a:ext uri="{FF2B5EF4-FFF2-40B4-BE49-F238E27FC236}">
+                <a16:creationId xmlns:a16="http://schemas.microsoft.com/office/drawing/2014/main" id="{AC1C80FB-53F9-42EE-B1E6-D0F998EC5DFA}"/>
+              </a:ext>
+            </a:extLst>
+          </p:cNvPr>
+          <p:cNvSpPr>
+            <a:spLocks noGrp="1"/>
+          </p:cNvSpPr>
+          <p:nvPr>
+            <p:ph type="body" sz="quarter" idx="15"/>
+          </p:nvPr>
+        </p:nvSpPr>
+        <p:spPr>
+          <a:xfrm>
+            <a:off x="1485664" y="3070348"/>
+            <a:ext cx="4031030" cy="1057308"/>
+          </a:xfrm>
+        </p:spPr>
+        <p:txBody>
+          <a:bodyPr rtlCol="0"/>
+          <a:lstStyle/>
+          <a:p>
+            <a:r>
+              <a:rPr lang="es-ES" dirty="0"/>
+              <a:t>Mayor control de las autoridades competentes, entre capital humano y tecnológico para las horas punta y nocturnas</a:t>
+            </a:r>
+          </a:p>
+        </p:txBody>
+      </p:sp>
+      <p:sp>
+        <p:nvSpPr>
+          <p:cNvPr id="5" name="Marcador de texto 4">
+            <a:extLst>
+              <a:ext uri="{FF2B5EF4-FFF2-40B4-BE49-F238E27FC236}">
+                <a16:creationId xmlns:a16="http://schemas.microsoft.com/office/drawing/2014/main" id="{E81BA2B5-6A90-4204-ABDD-7183FBB03A02}"/>
+              </a:ext>
+            </a:extLst>
+          </p:cNvPr>
+          <p:cNvSpPr>
+            <a:spLocks noGrp="1"/>
+          </p:cNvSpPr>
+          <p:nvPr>
+            <p:ph type="body" sz="quarter" idx="16"/>
+          </p:nvPr>
+        </p:nvSpPr>
+        <p:spPr>
+          <a:xfrm>
+            <a:off x="6673004" y="2563123"/>
+            <a:ext cx="4031945" cy="365125"/>
+          </a:xfrm>
+        </p:spPr>
+        <p:txBody>
+          <a:bodyPr rtlCol="0">
+            <a:normAutofit fontScale="92500"/>
+          </a:bodyPr>
+          <a:lstStyle/>
+          <a:p>
+            <a:pPr rtl="0"/>
+            <a:r>
+              <a:rPr lang="es-ES" dirty="0"/>
+              <a:t>Actualización de conocimientos</a:t>
+            </a:r>
+          </a:p>
+        </p:txBody>
+      </p:sp>
+      <p:sp>
+        <p:nvSpPr>
+          <p:cNvPr id="6" name="Marcador de texto 5">
+            <a:extLst>
+              <a:ext uri="{FF2B5EF4-FFF2-40B4-BE49-F238E27FC236}">
+                <a16:creationId xmlns:a16="http://schemas.microsoft.com/office/drawing/2014/main" id="{7E7D4C34-22A0-4D54-A07D-E1E9A11463E5}"/>
+              </a:ext>
+            </a:extLst>
+          </p:cNvPr>
+          <p:cNvSpPr>
+            <a:spLocks noGrp="1"/>
+          </p:cNvSpPr>
+          <p:nvPr>
+            <p:ph type="body" sz="quarter" idx="17"/>
+          </p:nvPr>
+        </p:nvSpPr>
+        <p:spPr>
+          <a:xfrm>
+            <a:off x="6673143" y="3070348"/>
+            <a:ext cx="4031030" cy="1057308"/>
+          </a:xfrm>
+        </p:spPr>
+        <p:txBody>
+          <a:bodyPr rtlCol="0"/>
+          <a:lstStyle/>
+          <a:p>
+            <a:r>
+              <a:rPr lang="es-ES" dirty="0"/>
+              <a:t>Concientización de los reglamentos de tránsito causas y efectos en el entorno del ciudadano</a:t>
+            </a:r>
+          </a:p>
+          <a:p>
+            <a:pPr rtl="0"/>
             <a:endParaRPr lang="es-ES" dirty="0"/>
+          </a:p>
+        </p:txBody>
+      </p:sp>
+      <p:sp>
+        <p:nvSpPr>
+          <p:cNvPr id="7" name="Marcador de texto 6">
+            <a:extLst>
+              <a:ext uri="{FF2B5EF4-FFF2-40B4-BE49-F238E27FC236}">
+                <a16:creationId xmlns:a16="http://schemas.microsoft.com/office/drawing/2014/main" id="{301D392D-FB66-47A0-B628-5ADE822A2CFF}"/>
+              </a:ext>
+            </a:extLst>
+          </p:cNvPr>
+          <p:cNvSpPr>
+            <a:spLocks noGrp="1"/>
+          </p:cNvSpPr>
+          <p:nvPr>
+            <p:ph type="body" sz="quarter" idx="18"/>
+          </p:nvPr>
+        </p:nvSpPr>
+        <p:spPr>
+          <a:xfrm>
+            <a:off x="4080027" y="4354270"/>
+            <a:ext cx="4031945" cy="365125"/>
+          </a:xfrm>
+        </p:spPr>
+        <p:txBody>
+          <a:bodyPr rtlCol="0">
+            <a:normAutofit lnSpcReduction="10000"/>
+          </a:bodyPr>
+          <a:lstStyle/>
+          <a:p>
+            <a:pPr rtl="0"/>
+            <a:r>
+              <a:rPr lang="es-ES" dirty="0"/>
+              <a:t>Programas de formación</a:t>
+            </a:r>
+          </a:p>
+        </p:txBody>
+      </p:sp>
+      <p:sp>
+        <p:nvSpPr>
+          <p:cNvPr id="8" name="Marcador de texto 7">
+            <a:extLst>
+              <a:ext uri="{FF2B5EF4-FFF2-40B4-BE49-F238E27FC236}">
+                <a16:creationId xmlns:a16="http://schemas.microsoft.com/office/drawing/2014/main" id="{51C26CE0-2506-4B44-A26F-C12BFA5B18B5}"/>
+              </a:ext>
+            </a:extLst>
+          </p:cNvPr>
+          <p:cNvSpPr>
+            <a:spLocks noGrp="1"/>
+          </p:cNvSpPr>
+          <p:nvPr>
+            <p:ph type="body" sz="quarter" idx="19"/>
+          </p:nvPr>
+        </p:nvSpPr>
+        <p:spPr>
+          <a:xfrm>
+            <a:off x="4080942" y="4789333"/>
+            <a:ext cx="4031030" cy="1057308"/>
+          </a:xfrm>
+        </p:spPr>
+        <p:txBody>
+          <a:bodyPr rtlCol="0"/>
+          <a:lstStyle/>
+          <a:p>
+            <a:r>
+              <a:rPr lang="es-ES" dirty="0"/>
+              <a:t>Creación de programas de formación vial a individuos de paso con fines turísticos</a:t>
+            </a:r>
+          </a:p>
+          <a:p>
+            <a:pPr rtl="0"/>
+            <a:endParaRPr lang="es-ES" dirty="0"/>
+          </a:p>
+        </p:txBody>
+      </p:sp>
+      <p:sp>
+        <p:nvSpPr>
+          <p:cNvPr id="82" name="Marcador de número de diapositiva 81">
+            <a:extLst>
+              <a:ext uri="{FF2B5EF4-FFF2-40B4-BE49-F238E27FC236}">
+                <a16:creationId xmlns:a16="http://schemas.microsoft.com/office/drawing/2014/main" id="{CE36A058-BEC2-4BC5-A467-F2EB2A365051}"/>
+              </a:ext>
+            </a:extLst>
+          </p:cNvPr>
+          <p:cNvSpPr>
+            <a:spLocks noGrp="1"/>
+          </p:cNvSpPr>
+          <p:nvPr>
+            <p:ph type="sldNum" sz="quarter" idx="22"/>
+          </p:nvPr>
+        </p:nvSpPr>
+        <p:spPr>
+          <a:xfrm>
+            <a:off x="8610600" y="6356350"/>
+            <a:ext cx="2743200" cy="365125"/>
+          </a:xfrm>
+        </p:spPr>
+        <p:txBody>
+          <a:bodyPr rtlCol="0"/>
+          <a:lstStyle/>
+          <a:p>
+            <a:pPr rtl="0"/>
+            <a:fld id="{B5CEABB6-07DC-46E8-9B57-56EC44A396E5}" type="slidenum">
+              <a:rPr lang="es-ES" smtClean="0"/>
+              <a:pPr rtl="0"/>
+              <a:t>14</a:t>
+            </a:fld>
+            <a:endParaRPr lang="es-ES"/>
           </a:p>
         </p:txBody>
       </p:sp>
     </p:spTree>
     <p:extLst>
       <p:ext uri="{BB962C8B-B14F-4D97-AF65-F5344CB8AC3E}">
-        <p14:creationId xmlns:p14="http://schemas.microsoft.com/office/powerpoint/2010/main" val="707789176"/>
+        <p14:creationId xmlns:p14="http://schemas.microsoft.com/office/powerpoint/2010/main" val="1593920805"/>
       </p:ext>
     </p:extLst>
   </p:cSld>
@@ -16981,21 +17053,21 @@
           <p:cNvPr id="2" name="Título 1">
             <a:extLst>
               <a:ext uri="{FF2B5EF4-FFF2-40B4-BE49-F238E27FC236}">
-                <a16:creationId xmlns:a16="http://schemas.microsoft.com/office/drawing/2014/main" id="{75031FE9-9059-4FE8-B4AC-9771F23A1B89}"/>
-              </a:ext>
-            </a:extLst>
-          </p:cNvPr>
-          <p:cNvSpPr>
-            <a:spLocks noGrp="1"/>
-          </p:cNvSpPr>
-          <p:nvPr>
-            <p:ph type="title"/>
-          </p:nvPr>
-        </p:nvSpPr>
-        <p:spPr>
-          <a:xfrm>
-            <a:off x="1885156" y="892177"/>
-            <a:ext cx="8421688" cy="1325563"/>
+                <a16:creationId xmlns:a16="http://schemas.microsoft.com/office/drawing/2014/main" id="{BCCAEE93-8585-46D4-A7EC-F184E317CB2E}"/>
+              </a:ext>
+            </a:extLst>
+          </p:cNvPr>
+          <p:cNvSpPr>
+            <a:spLocks noGrp="1"/>
+          </p:cNvSpPr>
+          <p:nvPr>
+            <p:ph type="ctrTitle"/>
+          </p:nvPr>
+        </p:nvSpPr>
+        <p:spPr>
+          <a:xfrm>
+            <a:off x="4006215" y="2697317"/>
+            <a:ext cx="4179570" cy="1463366"/>
           </a:xfrm>
         </p:spPr>
         <p:txBody>
@@ -17005,246 +17077,31 @@
             <a:pPr rtl="0"/>
             <a:r>
               <a:rPr lang="es-ES" dirty="0"/>
-              <a:t>Recomendaciones </a:t>
-            </a:r>
-          </a:p>
-        </p:txBody>
-      </p:sp>
-      <p:sp>
-        <p:nvSpPr>
-          <p:cNvPr id="3" name="Marcador de contenido 2">
-            <a:extLst>
-              <a:ext uri="{FF2B5EF4-FFF2-40B4-BE49-F238E27FC236}">
-                <a16:creationId xmlns:a16="http://schemas.microsoft.com/office/drawing/2014/main" id="{D4A2EB3F-4D60-451F-8F45-7D6654D2FCD9}"/>
-              </a:ext>
-            </a:extLst>
-          </p:cNvPr>
-          <p:cNvSpPr>
-            <a:spLocks noGrp="1"/>
-          </p:cNvSpPr>
-          <p:nvPr>
-            <p:ph type="body" sz="quarter" idx="13"/>
-          </p:nvPr>
-        </p:nvSpPr>
-        <p:spPr>
-          <a:xfrm>
-            <a:off x="1485900" y="2563123"/>
-            <a:ext cx="4031945" cy="365125"/>
-          </a:xfrm>
-        </p:spPr>
-        <p:txBody>
-          <a:bodyPr vert="horz" lIns="91440" tIns="45720" rIns="91440" bIns="45720" rtlCol="0" anchor="t">
-            <a:normAutofit lnSpcReduction="10000"/>
-          </a:bodyPr>
-          <a:lstStyle/>
-          <a:p>
-            <a:pPr rtl="0"/>
-            <a:r>
-              <a:rPr lang="es-ES" dirty="0"/>
-              <a:t>Reforzar controles </a:t>
-            </a:r>
-          </a:p>
-        </p:txBody>
-      </p:sp>
-      <p:sp>
-        <p:nvSpPr>
-          <p:cNvPr id="4" name="Marcador de texto 3">
-            <a:extLst>
-              <a:ext uri="{FF2B5EF4-FFF2-40B4-BE49-F238E27FC236}">
-                <a16:creationId xmlns:a16="http://schemas.microsoft.com/office/drawing/2014/main" id="{AC1C80FB-53F9-42EE-B1E6-D0F998EC5DFA}"/>
-              </a:ext>
-            </a:extLst>
-          </p:cNvPr>
-          <p:cNvSpPr>
-            <a:spLocks noGrp="1"/>
-          </p:cNvSpPr>
-          <p:nvPr>
-            <p:ph type="body" sz="quarter" idx="15"/>
-          </p:nvPr>
-        </p:nvSpPr>
-        <p:spPr>
-          <a:xfrm>
-            <a:off x="1485664" y="3070348"/>
-            <a:ext cx="4031030" cy="1057308"/>
-          </a:xfrm>
-        </p:spPr>
-        <p:txBody>
-          <a:bodyPr rtlCol="0"/>
-          <a:lstStyle/>
-          <a:p>
-            <a:r>
-              <a:rPr lang="es-ES" dirty="0"/>
-              <a:t>Mayor control de las autoridades competentes, entre capital humano y tecnológico para las horas punta y nocturnas</a:t>
-            </a:r>
-          </a:p>
-        </p:txBody>
-      </p:sp>
-      <p:sp>
-        <p:nvSpPr>
-          <p:cNvPr id="5" name="Marcador de texto 4">
-            <a:extLst>
-              <a:ext uri="{FF2B5EF4-FFF2-40B4-BE49-F238E27FC236}">
-                <a16:creationId xmlns:a16="http://schemas.microsoft.com/office/drawing/2014/main" id="{E81BA2B5-6A90-4204-ABDD-7183FBB03A02}"/>
-              </a:ext>
-            </a:extLst>
-          </p:cNvPr>
-          <p:cNvSpPr>
-            <a:spLocks noGrp="1"/>
-          </p:cNvSpPr>
-          <p:nvPr>
-            <p:ph type="body" sz="quarter" idx="16"/>
-          </p:nvPr>
-        </p:nvSpPr>
-        <p:spPr>
-          <a:xfrm>
-            <a:off x="6673004" y="2563123"/>
-            <a:ext cx="4031945" cy="365125"/>
-          </a:xfrm>
-        </p:spPr>
-        <p:txBody>
-          <a:bodyPr rtlCol="0">
-            <a:normAutofit fontScale="92500"/>
-          </a:bodyPr>
-          <a:lstStyle/>
-          <a:p>
-            <a:pPr rtl="0"/>
-            <a:r>
-              <a:rPr lang="es-ES" dirty="0"/>
-              <a:t>Actualización de conocimientos</a:t>
-            </a:r>
-          </a:p>
-        </p:txBody>
-      </p:sp>
-      <p:sp>
-        <p:nvSpPr>
-          <p:cNvPr id="6" name="Marcador de texto 5">
-            <a:extLst>
-              <a:ext uri="{FF2B5EF4-FFF2-40B4-BE49-F238E27FC236}">
-                <a16:creationId xmlns:a16="http://schemas.microsoft.com/office/drawing/2014/main" id="{7E7D4C34-22A0-4D54-A07D-E1E9A11463E5}"/>
-              </a:ext>
-            </a:extLst>
-          </p:cNvPr>
-          <p:cNvSpPr>
-            <a:spLocks noGrp="1"/>
-          </p:cNvSpPr>
-          <p:nvPr>
-            <p:ph type="body" sz="quarter" idx="17"/>
-          </p:nvPr>
-        </p:nvSpPr>
-        <p:spPr>
-          <a:xfrm>
-            <a:off x="6673143" y="3070348"/>
-            <a:ext cx="4031030" cy="1057308"/>
-          </a:xfrm>
-        </p:spPr>
-        <p:txBody>
-          <a:bodyPr rtlCol="0"/>
-          <a:lstStyle/>
-          <a:p>
-            <a:r>
-              <a:rPr lang="es-ES" dirty="0"/>
-              <a:t>Concientización de los reglamentos de tránsito causas y efectos en el entorno del ciudadano</a:t>
-            </a:r>
-          </a:p>
-          <a:p>
-            <a:pPr rtl="0"/>
-            <a:endParaRPr lang="es-ES" dirty="0"/>
-          </a:p>
-        </p:txBody>
-      </p:sp>
-      <p:sp>
-        <p:nvSpPr>
-          <p:cNvPr id="7" name="Marcador de texto 6">
-            <a:extLst>
-              <a:ext uri="{FF2B5EF4-FFF2-40B4-BE49-F238E27FC236}">
-                <a16:creationId xmlns:a16="http://schemas.microsoft.com/office/drawing/2014/main" id="{301D392D-FB66-47A0-B628-5ADE822A2CFF}"/>
-              </a:ext>
-            </a:extLst>
-          </p:cNvPr>
-          <p:cNvSpPr>
-            <a:spLocks noGrp="1"/>
-          </p:cNvSpPr>
-          <p:nvPr>
-            <p:ph type="body" sz="quarter" idx="18"/>
-          </p:nvPr>
-        </p:nvSpPr>
-        <p:spPr>
-          <a:xfrm>
-            <a:off x="4080027" y="4354270"/>
-            <a:ext cx="4031945" cy="365125"/>
-          </a:xfrm>
-        </p:spPr>
-        <p:txBody>
-          <a:bodyPr rtlCol="0">
-            <a:normAutofit lnSpcReduction="10000"/>
-          </a:bodyPr>
-          <a:lstStyle/>
-          <a:p>
-            <a:pPr rtl="0"/>
-            <a:r>
-              <a:rPr lang="es-ES" dirty="0"/>
-              <a:t>Programas de formación</a:t>
-            </a:r>
-          </a:p>
-        </p:txBody>
-      </p:sp>
-      <p:sp>
-        <p:nvSpPr>
-          <p:cNvPr id="8" name="Marcador de texto 7">
-            <a:extLst>
-              <a:ext uri="{FF2B5EF4-FFF2-40B4-BE49-F238E27FC236}">
-                <a16:creationId xmlns:a16="http://schemas.microsoft.com/office/drawing/2014/main" id="{51C26CE0-2506-4B44-A26F-C12BFA5B18B5}"/>
-              </a:ext>
-            </a:extLst>
-          </p:cNvPr>
-          <p:cNvSpPr>
-            <a:spLocks noGrp="1"/>
-          </p:cNvSpPr>
-          <p:nvPr>
-            <p:ph type="body" sz="quarter" idx="19"/>
-          </p:nvPr>
-        </p:nvSpPr>
-        <p:spPr>
-          <a:xfrm>
-            <a:off x="4080942" y="4789333"/>
-            <a:ext cx="4031030" cy="1057308"/>
-          </a:xfrm>
-        </p:spPr>
-        <p:txBody>
-          <a:bodyPr rtlCol="0"/>
-          <a:lstStyle/>
-          <a:p>
-            <a:r>
-              <a:rPr lang="es-ES" dirty="0"/>
-              <a:t>Creación de programas de formación vial a individuos de paso con fines turísticos</a:t>
-            </a:r>
-          </a:p>
-          <a:p>
-            <a:pPr rtl="0"/>
-            <a:endParaRPr lang="es-ES" dirty="0"/>
-          </a:p>
-        </p:txBody>
-      </p:sp>
-      <p:sp>
-        <p:nvSpPr>
-          <p:cNvPr id="82" name="Marcador de número de diapositiva 81">
-            <a:extLst>
-              <a:ext uri="{FF2B5EF4-FFF2-40B4-BE49-F238E27FC236}">
-                <a16:creationId xmlns:a16="http://schemas.microsoft.com/office/drawing/2014/main" id="{CE36A058-BEC2-4BC5-A467-F2EB2A365051}"/>
-              </a:ext>
-            </a:extLst>
-          </p:cNvPr>
-          <p:cNvSpPr>
-            <a:spLocks noGrp="1"/>
-          </p:cNvSpPr>
-          <p:nvPr>
-            <p:ph type="sldNum" sz="quarter" idx="22"/>
-          </p:nvPr>
-        </p:nvSpPr>
-        <p:spPr>
-          <a:xfrm>
-            <a:off x="8610600" y="6356350"/>
-            <a:ext cx="2743200" cy="365125"/>
+              <a:t>MUCHAS GRACIAS</a:t>
+            </a:r>
+          </a:p>
+        </p:txBody>
+      </p:sp>
+      <p:sp>
+        <p:nvSpPr>
+          <p:cNvPr id="6" name="Marcador de número de diapositiva 5">
+            <a:extLst>
+              <a:ext uri="{FF2B5EF4-FFF2-40B4-BE49-F238E27FC236}">
+                <a16:creationId xmlns:a16="http://schemas.microsoft.com/office/drawing/2014/main" id="{5EDCFF82-B70F-4971-9182-7C3AEA3CFD26}"/>
+              </a:ext>
+            </a:extLst>
+          </p:cNvPr>
+          <p:cNvSpPr>
+            <a:spLocks noGrp="1"/>
+          </p:cNvSpPr>
+          <p:nvPr>
+            <p:ph type="sldNum" sz="quarter" idx="12"/>
+          </p:nvPr>
+        </p:nvSpPr>
+        <p:spPr>
+          <a:xfrm>
+            <a:off x="9579428" y="6356350"/>
+            <a:ext cx="1774371" cy="365125"/>
           </a:xfrm>
         </p:spPr>
         <p:txBody>
@@ -17256,106 +17113,6 @@
               <a:rPr lang="es-ES" smtClean="0"/>
               <a:pPr rtl="0"/>
               <a:t>15</a:t>
-            </a:fld>
-            <a:endParaRPr lang="es-ES"/>
-          </a:p>
-        </p:txBody>
-      </p:sp>
-    </p:spTree>
-    <p:extLst>
-      <p:ext uri="{BB962C8B-B14F-4D97-AF65-F5344CB8AC3E}">
-        <p14:creationId xmlns:p14="http://schemas.microsoft.com/office/powerpoint/2010/main" val="1593920805"/>
-      </p:ext>
-    </p:extLst>
-  </p:cSld>
-  <p:clrMapOvr>
-    <a:masterClrMapping/>
-  </p:clrMapOvr>
-</p:sld>
-</file>
-
-<file path=ppt/slides/slide16.xml><?xml version="1.0" encoding="utf-8"?>
-<p:sld xmlns:a="http://schemas.openxmlformats.org/drawingml/2006/main" xmlns:r="http://schemas.openxmlformats.org/officeDocument/2006/relationships" xmlns:p="http://schemas.openxmlformats.org/presentationml/2006/main">
-  <p:cSld>
-    <p:spTree>
-      <p:nvGrpSpPr>
-        <p:cNvPr id="1" name=""/>
-        <p:cNvGrpSpPr/>
-        <p:nvPr/>
-      </p:nvGrpSpPr>
-      <p:grpSpPr>
-        <a:xfrm>
-          <a:off x="0" y="0"/>
-          <a:ext cx="0" cy="0"/>
-          <a:chOff x="0" y="0"/>
-          <a:chExt cx="0" cy="0"/>
-        </a:xfrm>
-      </p:grpSpPr>
-      <p:sp>
-        <p:nvSpPr>
-          <p:cNvPr id="2" name="Título 1">
-            <a:extLst>
-              <a:ext uri="{FF2B5EF4-FFF2-40B4-BE49-F238E27FC236}">
-                <a16:creationId xmlns:a16="http://schemas.microsoft.com/office/drawing/2014/main" id="{BCCAEE93-8585-46D4-A7EC-F184E317CB2E}"/>
-              </a:ext>
-            </a:extLst>
-          </p:cNvPr>
-          <p:cNvSpPr>
-            <a:spLocks noGrp="1"/>
-          </p:cNvSpPr>
-          <p:nvPr>
-            <p:ph type="ctrTitle"/>
-          </p:nvPr>
-        </p:nvSpPr>
-        <p:spPr>
-          <a:xfrm>
-            <a:off x="4006215" y="2697317"/>
-            <a:ext cx="4179570" cy="1463366"/>
-          </a:xfrm>
-        </p:spPr>
-        <p:txBody>
-          <a:bodyPr rtlCol="0"/>
-          <a:lstStyle/>
-          <a:p>
-            <a:pPr rtl="0"/>
-            <a:r>
-              <a:rPr lang="es-ES" dirty="0"/>
-              <a:t>MUCHAS GRACIAS</a:t>
-            </a:r>
-          </a:p>
-        </p:txBody>
-      </p:sp>
-      <p:sp>
-        <p:nvSpPr>
-          <p:cNvPr id="6" name="Marcador de número de diapositiva 5">
-            <a:extLst>
-              <a:ext uri="{FF2B5EF4-FFF2-40B4-BE49-F238E27FC236}">
-                <a16:creationId xmlns:a16="http://schemas.microsoft.com/office/drawing/2014/main" id="{5EDCFF82-B70F-4971-9182-7C3AEA3CFD26}"/>
-              </a:ext>
-            </a:extLst>
-          </p:cNvPr>
-          <p:cNvSpPr>
-            <a:spLocks noGrp="1"/>
-          </p:cNvSpPr>
-          <p:nvPr>
-            <p:ph type="sldNum" sz="quarter" idx="12"/>
-          </p:nvPr>
-        </p:nvSpPr>
-        <p:spPr>
-          <a:xfrm>
-            <a:off x="9579428" y="6356350"/>
-            <a:ext cx="1774371" cy="365125"/>
-          </a:xfrm>
-        </p:spPr>
-        <p:txBody>
-          <a:bodyPr rtlCol="0"/>
-          <a:lstStyle/>
-          <a:p>
-            <a:pPr rtl="0"/>
-            <a:fld id="{B5CEABB6-07DC-46E8-9B57-56EC44A396E5}" type="slidenum">
-              <a:rPr lang="es-ES" smtClean="0"/>
-              <a:pPr rtl="0"/>
-              <a:t>16</a:t>
             </a:fld>
             <a:endParaRPr lang="es-ES"/>
           </a:p>
@@ -17666,7 +17423,7 @@
         </p:nvSpPr>
         <p:spPr>
           <a:xfrm>
-            <a:off x="494522" y="839309"/>
+            <a:off x="466530" y="1577720"/>
             <a:ext cx="1965462" cy="514349"/>
           </a:xfrm>
         </p:spPr>
@@ -17702,7 +17459,7 @@
         </p:nvSpPr>
         <p:spPr>
           <a:xfrm>
-            <a:off x="397134" y="1601906"/>
+            <a:off x="559836" y="2544821"/>
             <a:ext cx="2141764" cy="514350"/>
           </a:xfrm>
         </p:spPr>
@@ -17736,7 +17493,7 @@
         </p:nvSpPr>
         <p:spPr>
           <a:xfrm>
-            <a:off x="4522833" y="848239"/>
+            <a:off x="4541494" y="1489590"/>
             <a:ext cx="5539095" cy="1010842"/>
           </a:xfrm>
         </p:spPr>
@@ -17773,7 +17530,7 @@
         </p:nvSpPr>
         <p:spPr>
           <a:xfrm>
-            <a:off x="4771052" y="1578893"/>
+            <a:off x="4920342" y="2584151"/>
             <a:ext cx="5539095" cy="755672"/>
           </a:xfrm>
         </p:spPr>
@@ -17810,7 +17567,7 @@
         </p:nvSpPr>
         <p:spPr>
           <a:xfrm>
-            <a:off x="5157059" y="2544070"/>
+            <a:off x="5399655" y="3775870"/>
             <a:ext cx="5539095" cy="1010842"/>
           </a:xfrm>
         </p:spPr>
@@ -17847,7 +17604,7 @@
         </p:nvSpPr>
         <p:spPr>
           <a:xfrm>
-            <a:off x="5543241" y="3521323"/>
+            <a:off x="5953788" y="4717338"/>
             <a:ext cx="5539095" cy="1010842"/>
           </a:xfrm>
         </p:spPr>
@@ -17899,247 +17656,6 @@
               <a:t>3</a:t>
             </a:fld>
             <a:endParaRPr lang="es-ES"/>
-          </a:p>
-        </p:txBody>
-      </p:sp>
-      <p:cxnSp>
-        <p:nvCxnSpPr>
-          <p:cNvPr id="18" name="Conector recto 17">
-            <a:extLst>
-              <a:ext uri="{FF2B5EF4-FFF2-40B4-BE49-F238E27FC236}">
-                <a16:creationId xmlns:a16="http://schemas.microsoft.com/office/drawing/2014/main" id="{055C9C81-AA76-E0E6-20A9-CFE72B94A114}"/>
-              </a:ext>
-            </a:extLst>
-          </p:cNvPr>
-          <p:cNvCxnSpPr>
-            <a:cxnSpLocks/>
-            <a:stCxn id="3" idx="3"/>
-          </p:cNvCxnSpPr>
-          <p:nvPr/>
-        </p:nvCxnSpPr>
-        <p:spPr>
-          <a:xfrm flipV="1">
-            <a:off x="2459984" y="1091682"/>
-            <a:ext cx="1748122" cy="4802"/>
-          </a:xfrm>
-          <a:prstGeom prst="line">
-            <a:avLst/>
-          </a:prstGeom>
-        </p:spPr>
-        <p:style>
-          <a:lnRef idx="1">
-            <a:schemeClr val="dk1"/>
-          </a:lnRef>
-          <a:fillRef idx="0">
-            <a:schemeClr val="dk1"/>
-          </a:fillRef>
-          <a:effectRef idx="0">
-            <a:schemeClr val="dk1"/>
-          </a:effectRef>
-          <a:fontRef idx="minor">
-            <a:schemeClr val="tx1"/>
-          </a:fontRef>
-        </p:style>
-      </p:cxnSp>
-      <p:sp>
-        <p:nvSpPr>
-          <p:cNvPr id="20" name="Marcador de texto 7">
-            <a:extLst>
-              <a:ext uri="{FF2B5EF4-FFF2-40B4-BE49-F238E27FC236}">
-                <a16:creationId xmlns:a16="http://schemas.microsoft.com/office/drawing/2014/main" id="{41773C9A-CCBC-CD1B-2139-4A1AC1F470CF}"/>
-              </a:ext>
-            </a:extLst>
-          </p:cNvPr>
-          <p:cNvSpPr txBox="1">
-            <a:spLocks/>
-          </p:cNvSpPr>
-          <p:nvPr/>
-        </p:nvSpPr>
-        <p:spPr>
-          <a:xfrm>
-            <a:off x="6096000" y="4773686"/>
-            <a:ext cx="5539095" cy="1010842"/>
-          </a:xfrm>
-          <a:prstGeom prst="rect">
-            <a:avLst/>
-          </a:prstGeom>
-        </p:spPr>
-        <p:txBody>
-          <a:bodyPr vert="horz" lIns="91440" tIns="45720" rIns="91440" bIns="45720" rtlCol="0" anchor="t">
-            <a:normAutofit/>
-          </a:bodyPr>
-          <a:lstStyle>
-            <a:lvl1pPr marL="0" indent="0" algn="l" defTabSz="914400" rtl="0" eaLnBrk="1" latinLnBrk="0" hangingPunct="1">
-              <a:lnSpc>
-                <a:spcPct val="100000"/>
-              </a:lnSpc>
-              <a:spcBef>
-                <a:spcPts val="1000"/>
-              </a:spcBef>
-              <a:buFont typeface="Arial" panose="020B0604020202020204" pitchFamily="34" charset="0"/>
-              <a:buNone/>
-              <a:defRPr sz="1400" kern="1200" spc="50" baseline="0">
-                <a:solidFill>
-                  <a:schemeClr val="tx1"/>
-                </a:solidFill>
-                <a:latin typeface="+mn-lt"/>
-                <a:ea typeface="+mn-ea"/>
-                <a:cs typeface="+mn-cs"/>
-              </a:defRPr>
-            </a:lvl1pPr>
-            <a:lvl2pPr marL="685800" indent="-228600" algn="l" defTabSz="914400" rtl="0" eaLnBrk="1" latinLnBrk="0" hangingPunct="1">
-              <a:lnSpc>
-                <a:spcPct val="90000"/>
-              </a:lnSpc>
-              <a:spcBef>
-                <a:spcPts val="500"/>
-              </a:spcBef>
-              <a:buFont typeface="Arial" panose="020B0604020202020204" pitchFamily="34" charset="0"/>
-              <a:buChar char="•"/>
-              <a:defRPr sz="2400" kern="1200">
-                <a:solidFill>
-                  <a:schemeClr val="tx1"/>
-                </a:solidFill>
-                <a:latin typeface="+mn-lt"/>
-                <a:ea typeface="+mn-ea"/>
-                <a:cs typeface="+mn-cs"/>
-              </a:defRPr>
-            </a:lvl2pPr>
-            <a:lvl3pPr marL="1143000" indent="-228600" algn="l" defTabSz="914400" rtl="0" eaLnBrk="1" latinLnBrk="0" hangingPunct="1">
-              <a:lnSpc>
-                <a:spcPct val="90000"/>
-              </a:lnSpc>
-              <a:spcBef>
-                <a:spcPts val="500"/>
-              </a:spcBef>
-              <a:buFont typeface="Arial" panose="020B0604020202020204" pitchFamily="34" charset="0"/>
-              <a:buChar char="•"/>
-              <a:defRPr sz="2000" kern="1200">
-                <a:solidFill>
-                  <a:schemeClr val="tx1"/>
-                </a:solidFill>
-                <a:latin typeface="+mn-lt"/>
-                <a:ea typeface="+mn-ea"/>
-                <a:cs typeface="+mn-cs"/>
-              </a:defRPr>
-            </a:lvl3pPr>
-            <a:lvl4pPr marL="1600200" indent="-228600" algn="l" defTabSz="914400" rtl="0" eaLnBrk="1" latinLnBrk="0" hangingPunct="1">
-              <a:lnSpc>
-                <a:spcPct val="90000"/>
-              </a:lnSpc>
-              <a:spcBef>
-                <a:spcPts val="500"/>
-              </a:spcBef>
-              <a:buFont typeface="Arial" panose="020B0604020202020204" pitchFamily="34" charset="0"/>
-              <a:buChar char="•"/>
-              <a:defRPr sz="1800" kern="1200">
-                <a:solidFill>
-                  <a:schemeClr val="tx1"/>
-                </a:solidFill>
-                <a:latin typeface="+mn-lt"/>
-                <a:ea typeface="+mn-ea"/>
-                <a:cs typeface="+mn-cs"/>
-              </a:defRPr>
-            </a:lvl4pPr>
-            <a:lvl5pPr marL="2057400" indent="-228600" algn="l" defTabSz="914400" rtl="0" eaLnBrk="1" latinLnBrk="0" hangingPunct="1">
-              <a:lnSpc>
-                <a:spcPct val="90000"/>
-              </a:lnSpc>
-              <a:spcBef>
-                <a:spcPts val="500"/>
-              </a:spcBef>
-              <a:buFont typeface="Arial" panose="020B0604020202020204" pitchFamily="34" charset="0"/>
-              <a:buChar char="•"/>
-              <a:defRPr sz="1800" kern="1200">
-                <a:solidFill>
-                  <a:schemeClr val="tx1"/>
-                </a:solidFill>
-                <a:latin typeface="+mn-lt"/>
-                <a:ea typeface="+mn-ea"/>
-                <a:cs typeface="+mn-cs"/>
-              </a:defRPr>
-            </a:lvl5pPr>
-            <a:lvl6pPr marL="2514600" indent="-228600" algn="l" defTabSz="914400" rtl="0" eaLnBrk="1" latinLnBrk="0" hangingPunct="1">
-              <a:lnSpc>
-                <a:spcPct val="90000"/>
-              </a:lnSpc>
-              <a:spcBef>
-                <a:spcPts val="500"/>
-              </a:spcBef>
-              <a:buFont typeface="Arial" panose="020B0604020202020204" pitchFamily="34" charset="0"/>
-              <a:buChar char="•"/>
-              <a:defRPr sz="1800" kern="1200">
-                <a:solidFill>
-                  <a:schemeClr val="tx1"/>
-                </a:solidFill>
-                <a:latin typeface="+mn-lt"/>
-                <a:ea typeface="+mn-ea"/>
-                <a:cs typeface="+mn-cs"/>
-              </a:defRPr>
-            </a:lvl6pPr>
-            <a:lvl7pPr marL="2971800" indent="-228600" algn="l" defTabSz="914400" rtl="0" eaLnBrk="1" latinLnBrk="0" hangingPunct="1">
-              <a:lnSpc>
-                <a:spcPct val="90000"/>
-              </a:lnSpc>
-              <a:spcBef>
-                <a:spcPts val="500"/>
-              </a:spcBef>
-              <a:buFont typeface="Arial" panose="020B0604020202020204" pitchFamily="34" charset="0"/>
-              <a:buChar char="•"/>
-              <a:defRPr sz="1800" kern="1200">
-                <a:solidFill>
-                  <a:schemeClr val="tx1"/>
-                </a:solidFill>
-                <a:latin typeface="+mn-lt"/>
-                <a:ea typeface="+mn-ea"/>
-                <a:cs typeface="+mn-cs"/>
-              </a:defRPr>
-            </a:lvl7pPr>
-            <a:lvl8pPr marL="3429000" indent="-228600" algn="l" defTabSz="914400" rtl="0" eaLnBrk="1" latinLnBrk="0" hangingPunct="1">
-              <a:lnSpc>
-                <a:spcPct val="90000"/>
-              </a:lnSpc>
-              <a:spcBef>
-                <a:spcPts val="500"/>
-              </a:spcBef>
-              <a:buFont typeface="Arial" panose="020B0604020202020204" pitchFamily="34" charset="0"/>
-              <a:buChar char="•"/>
-              <a:defRPr sz="1800" kern="1200">
-                <a:solidFill>
-                  <a:schemeClr val="tx1"/>
-                </a:solidFill>
-                <a:latin typeface="+mn-lt"/>
-                <a:ea typeface="+mn-ea"/>
-                <a:cs typeface="+mn-cs"/>
-              </a:defRPr>
-            </a:lvl8pPr>
-            <a:lvl9pPr marL="3886200" indent="-228600" algn="l" defTabSz="914400" rtl="0" eaLnBrk="1" latinLnBrk="0" hangingPunct="1">
-              <a:lnSpc>
-                <a:spcPct val="90000"/>
-              </a:lnSpc>
-              <a:spcBef>
-                <a:spcPts val="500"/>
-              </a:spcBef>
-              <a:buFont typeface="Arial" panose="020B0604020202020204" pitchFamily="34" charset="0"/>
-              <a:buChar char="•"/>
-              <a:defRPr sz="1800" kern="1200">
-                <a:solidFill>
-                  <a:schemeClr val="tx1"/>
-                </a:solidFill>
-                <a:latin typeface="+mn-lt"/>
-                <a:ea typeface="+mn-ea"/>
-                <a:cs typeface="+mn-cs"/>
-              </a:defRPr>
-            </a:lvl9pPr>
-          </a:lstStyle>
-          <a:p>
-            <a:r>
-              <a:rPr lang="es-ES" dirty="0"/>
-              <a:t>La relación que existe entre las variables de horas con las zonas de la ciudad en los accidentes de transito</a:t>
-            </a:r>
-          </a:p>
-          <a:p>
-            <a:endParaRPr lang="es-ES" dirty="0"/>
           </a:p>
         </p:txBody>
       </p:sp>
@@ -19642,6 +19158,15 @@
 </file>
 
 <file path=customXml/item1.xml><?xml version="1.0" encoding="utf-8"?>
+<?mso-contentType ?>
+<FormTemplates xmlns="http://schemas.microsoft.com/sharepoint/v3/contenttype/forms">
+  <Display>DocumentLibraryForm</Display>
+  <Edit>DocumentLibraryForm</Edit>
+  <New>DocumentLibraryForm</New>
+</FormTemplates>
+</file>
+
+<file path=customXml/item2.xml><?xml version="1.0" encoding="utf-8"?>
 <ct:contentTypeSchema xmlns:ct="http://schemas.microsoft.com/office/2006/metadata/contentType" xmlns:ma="http://schemas.microsoft.com/office/2006/metadata/properties/metaAttributes" ct:_="" ma:_="" ma:contentTypeName="Document" ma:contentTypeID="0x01010079F111ED35F8CC479449609E8A0923A6" ma:contentTypeVersion="20" ma:contentTypeDescription="Create a new document." ma:contentTypeScope="" ma:versionID="1267097ee5f5874adfcc408041ae252e">
   <xsd:schema xmlns:xsd="http://www.w3.org/2001/XMLSchema" xmlns:xs="http://www.w3.org/2001/XMLSchema" xmlns:p="http://schemas.microsoft.com/office/2006/metadata/properties" xmlns:ns1="http://schemas.microsoft.com/sharepoint/v3" xmlns:ns2="71af3243-3dd4-4a8d-8c0d-dd76da1f02a5" xmlns:ns3="16c05727-aa75-4e4a-9b5f-8a80a1165891" xmlns:ns4="230e9df3-be65-4c73-a93b-d1236ebd677e" targetNamespace="http://schemas.microsoft.com/office/2006/metadata/properties" ma:root="true" ma:fieldsID="395891a93df65b14727750f2c06c306c" ns1:_="" ns2:_="" ns3:_="" ns4:_="">
     <xsd:import namespace="http://schemas.microsoft.com/sharepoint/v3"/>
@@ -19917,15 +19442,6 @@
 </ct:contentTypeSchema>
 </file>
 
-<file path=customXml/item2.xml><?xml version="1.0" encoding="utf-8"?>
-<?mso-contentType ?>
-<FormTemplates xmlns="http://schemas.microsoft.com/sharepoint/v3/contenttype/forms">
-  <Display>DocumentLibraryForm</Display>
-  <Edit>DocumentLibraryForm</Edit>
-  <New>DocumentLibraryForm</New>
-</FormTemplates>
-</file>
-
 <file path=customXml/item3.xml><?xml version="1.0" encoding="utf-8"?>
 <p:properties xmlns:p="http://schemas.microsoft.com/office/2006/metadata/properties" xmlns:xsi="http://www.w3.org/2001/XMLSchema-instance" xmlns:pc="http://schemas.microsoft.com/office/infopath/2007/PartnerControls">
   <documentManagement>
@@ -19946,6 +19462,14 @@
 </file>
 
 <file path=customXml/itemProps1.xml><?xml version="1.0" encoding="utf-8"?>
+<ds:datastoreItem xmlns:ds="http://schemas.openxmlformats.org/officeDocument/2006/customXml" ds:itemID="{2D446390-8521-40A2-A462-EA068123BED9}">
+  <ds:schemaRefs>
+    <ds:schemaRef ds:uri="http://schemas.microsoft.com/sharepoint/v3/contenttype/forms"/>
+  </ds:schemaRefs>
+</ds:datastoreItem>
+</file>
+
+<file path=customXml/itemProps2.xml><?xml version="1.0" encoding="utf-8"?>
 <ds:datastoreItem xmlns:ds="http://schemas.openxmlformats.org/officeDocument/2006/customXml" ds:itemID="{01E84A1C-2814-43A7-9448-348326113A45}">
   <ds:schemaRefs>
     <ds:schemaRef ds:uri="http://schemas.microsoft.com/office/2006/metadata/contentType"/>
@@ -19962,14 +19486,6 @@
     <ds:schemaRef ds:uri="http://purl.org/dc/elements/1.1/"/>
     <ds:schemaRef ds:uri="http://purl.org/dc/terms/"/>
     <ds:schemaRef ds:uri="http://schemas.microsoft.com/internal/obd"/>
-  </ds:schemaRefs>
-</ds:datastoreItem>
-</file>
-
-<file path=customXml/itemProps2.xml><?xml version="1.0" encoding="utf-8"?>
-<ds:datastoreItem xmlns:ds="http://schemas.openxmlformats.org/officeDocument/2006/customXml" ds:itemID="{2D446390-8521-40A2-A462-EA068123BED9}">
-  <ds:schemaRefs>
-    <ds:schemaRef ds:uri="http://schemas.microsoft.com/sharepoint/v3/contenttype/forms"/>
   </ds:schemaRefs>
 </ds:datastoreItem>
 </file>
